--- a/figure/orbit_figure.pptx
+++ b/figure/orbit_figure.pptx
@@ -251,7 +251,7 @@
           <a:p>
             <a:fld id="{6D7DD953-1579-4DF7-AF33-EF8F1C352A10}" type="datetimeFigureOut">
               <a:rPr kumimoji="1" lang="ja-JP" altLang="en-US" smtClean="0"/>
-              <a:t>2020/3/24</a:t>
+              <a:t>2020/3/26</a:t>
             </a:fld>
             <a:endParaRPr kumimoji="1" lang="ja-JP" altLang="en-US"/>
           </a:p>
@@ -453,7 +453,7 @@
           <a:p>
             <a:fld id="{6D7DD953-1579-4DF7-AF33-EF8F1C352A10}" type="datetimeFigureOut">
               <a:rPr kumimoji="1" lang="ja-JP" altLang="en-US" smtClean="0"/>
-              <a:t>2020/3/24</a:t>
+              <a:t>2020/3/26</a:t>
             </a:fld>
             <a:endParaRPr kumimoji="1" lang="ja-JP" altLang="en-US"/>
           </a:p>
@@ -665,7 +665,7 @@
           <a:p>
             <a:fld id="{6D7DD953-1579-4DF7-AF33-EF8F1C352A10}" type="datetimeFigureOut">
               <a:rPr kumimoji="1" lang="ja-JP" altLang="en-US" smtClean="0"/>
-              <a:t>2020/3/24</a:t>
+              <a:t>2020/3/26</a:t>
             </a:fld>
             <a:endParaRPr kumimoji="1" lang="ja-JP" altLang="en-US"/>
           </a:p>
@@ -867,7 +867,7 @@
           <a:p>
             <a:fld id="{6D7DD953-1579-4DF7-AF33-EF8F1C352A10}" type="datetimeFigureOut">
               <a:rPr kumimoji="1" lang="ja-JP" altLang="en-US" smtClean="0"/>
-              <a:t>2020/3/24</a:t>
+              <a:t>2020/3/26</a:t>
             </a:fld>
             <a:endParaRPr kumimoji="1" lang="ja-JP" altLang="en-US"/>
           </a:p>
@@ -1111,7 +1111,7 @@
           <a:p>
             <a:fld id="{6D7DD953-1579-4DF7-AF33-EF8F1C352A10}" type="datetimeFigureOut">
               <a:rPr kumimoji="1" lang="ja-JP" altLang="en-US" smtClean="0"/>
-              <a:t>2020/3/24</a:t>
+              <a:t>2020/3/26</a:t>
             </a:fld>
             <a:endParaRPr kumimoji="1" lang="ja-JP" altLang="en-US"/>
           </a:p>
@@ -1407,7 +1407,7 @@
           <a:p>
             <a:fld id="{6D7DD953-1579-4DF7-AF33-EF8F1C352A10}" type="datetimeFigureOut">
               <a:rPr kumimoji="1" lang="ja-JP" altLang="en-US" smtClean="0"/>
-              <a:t>2020/3/24</a:t>
+              <a:t>2020/3/26</a:t>
             </a:fld>
             <a:endParaRPr kumimoji="1" lang="ja-JP" altLang="en-US"/>
           </a:p>
@@ -1838,7 +1838,7 @@
           <a:p>
             <a:fld id="{6D7DD953-1579-4DF7-AF33-EF8F1C352A10}" type="datetimeFigureOut">
               <a:rPr kumimoji="1" lang="ja-JP" altLang="en-US" smtClean="0"/>
-              <a:t>2020/3/24</a:t>
+              <a:t>2020/3/26</a:t>
             </a:fld>
             <a:endParaRPr kumimoji="1" lang="ja-JP" altLang="en-US"/>
           </a:p>
@@ -1956,7 +1956,7 @@
           <a:p>
             <a:fld id="{6D7DD953-1579-4DF7-AF33-EF8F1C352A10}" type="datetimeFigureOut">
               <a:rPr kumimoji="1" lang="ja-JP" altLang="en-US" smtClean="0"/>
-              <a:t>2020/3/24</a:t>
+              <a:t>2020/3/26</a:t>
             </a:fld>
             <a:endParaRPr kumimoji="1" lang="ja-JP" altLang="en-US"/>
           </a:p>
@@ -2051,7 +2051,7 @@
           <a:p>
             <a:fld id="{6D7DD953-1579-4DF7-AF33-EF8F1C352A10}" type="datetimeFigureOut">
               <a:rPr kumimoji="1" lang="ja-JP" altLang="en-US" smtClean="0"/>
-              <a:t>2020/3/24</a:t>
+              <a:t>2020/3/26</a:t>
             </a:fld>
             <a:endParaRPr kumimoji="1" lang="ja-JP" altLang="en-US"/>
           </a:p>
@@ -2360,7 +2360,7 @@
           <a:p>
             <a:fld id="{6D7DD953-1579-4DF7-AF33-EF8F1C352A10}" type="datetimeFigureOut">
               <a:rPr kumimoji="1" lang="ja-JP" altLang="en-US" smtClean="0"/>
-              <a:t>2020/3/24</a:t>
+              <a:t>2020/3/26</a:t>
             </a:fld>
             <a:endParaRPr kumimoji="1" lang="ja-JP" altLang="en-US"/>
           </a:p>
@@ -2617,7 +2617,7 @@
           <a:p>
             <a:fld id="{6D7DD953-1579-4DF7-AF33-EF8F1C352A10}" type="datetimeFigureOut">
               <a:rPr kumimoji="1" lang="ja-JP" altLang="en-US" smtClean="0"/>
-              <a:t>2020/3/24</a:t>
+              <a:t>2020/3/26</a:t>
             </a:fld>
             <a:endParaRPr kumimoji="1" lang="ja-JP" altLang="en-US"/>
           </a:p>
@@ -2862,7 +2862,7 @@
           <a:p>
             <a:fld id="{6D7DD953-1579-4DF7-AF33-EF8F1C352A10}" type="datetimeFigureOut">
               <a:rPr kumimoji="1" lang="ja-JP" altLang="en-US" smtClean="0"/>
-              <a:t>2020/3/24</a:t>
+              <a:t>2020/3/26</a:t>
             </a:fld>
             <a:endParaRPr kumimoji="1" lang="ja-JP" altLang="en-US"/>
           </a:p>
@@ -16629,7 +16629,7 @@
                 <a:latin typeface="游ゴシック" panose="020B0400000000000000" pitchFamily="50" charset="-128"/>
                 <a:ea typeface="游ゴシック" panose="020B0400000000000000" pitchFamily="50" charset="-128"/>
               </a:rPr>
-              <a:t>請求・支払情報</a:t>
+              <a:t>請求書・支払履歴</a:t>
             </a:r>
             <a:endParaRPr lang="en-US" sz="863" dirty="0">
               <a:solidFill>
@@ -20289,8 +20289,8 @@
         </p:nvSpPr>
         <p:spPr>
           <a:xfrm>
-            <a:off x="4303492" y="840304"/>
-            <a:ext cx="2226264" cy="5918635"/>
+            <a:off x="4412549" y="706079"/>
+            <a:ext cx="2226264" cy="6517045"/>
           </a:xfrm>
           <a:prstGeom prst="rect">
             <a:avLst/>
@@ -20363,8 +20363,8 @@
         </p:nvSpPr>
         <p:spPr>
           <a:xfrm>
-            <a:off x="1983252" y="825360"/>
-            <a:ext cx="2226264" cy="5933579"/>
+            <a:off x="2092309" y="691136"/>
+            <a:ext cx="2226264" cy="6531988"/>
           </a:xfrm>
           <a:prstGeom prst="rect">
             <a:avLst/>
@@ -20451,7 +20451,7 @@
         </p:blipFill>
         <p:spPr>
           <a:xfrm flipH="1">
-            <a:off x="2304287" y="591231"/>
+            <a:off x="2413344" y="457007"/>
             <a:ext cx="248352" cy="512777"/>
           </a:xfrm>
           <a:prstGeom prst="rect">
@@ -20473,7 +20473,7 @@
         </p:nvSpPr>
         <p:spPr>
           <a:xfrm>
-            <a:off x="2647493" y="788982"/>
+            <a:off x="2756550" y="654758"/>
             <a:ext cx="1236689" cy="224365"/>
           </a:xfrm>
           <a:prstGeom prst="rect">
@@ -20567,7 +20567,7 @@
         </p:nvSpPr>
         <p:spPr>
           <a:xfrm>
-            <a:off x="4510006" y="793968"/>
+            <a:off x="4619063" y="669269"/>
             <a:ext cx="1383235" cy="289125"/>
           </a:xfrm>
           <a:prstGeom prst="rect">
@@ -20707,7 +20707,7 @@
         </p:blipFill>
         <p:spPr>
           <a:xfrm>
-            <a:off x="5985904" y="591232"/>
+            <a:off x="6094961" y="457008"/>
             <a:ext cx="250580" cy="512776"/>
           </a:xfrm>
           <a:prstGeom prst="rect">
@@ -20729,7 +20729,7 @@
         </p:nvSpPr>
         <p:spPr>
           <a:xfrm>
-            <a:off x="2457721" y="1419063"/>
+            <a:off x="2566778" y="1284839"/>
             <a:ext cx="1331366" cy="336499"/>
           </a:xfrm>
           <a:prstGeom prst="flowChartAlternateProcess">
@@ -20800,7 +20800,7 @@
         </p:nvSpPr>
         <p:spPr>
           <a:xfrm>
-            <a:off x="4664585" y="1419063"/>
+            <a:off x="4773642" y="1284839"/>
             <a:ext cx="1331366" cy="336499"/>
           </a:xfrm>
           <a:prstGeom prst="flowChartAlternateProcess">
@@ -20873,7 +20873,7 @@
         </p:nvSpPr>
         <p:spPr>
           <a:xfrm>
-            <a:off x="2473497" y="4936332"/>
+            <a:off x="2582554" y="4802108"/>
             <a:ext cx="1331366" cy="336499"/>
           </a:xfrm>
           <a:prstGeom prst="flowChartAlternateProcess">
@@ -20944,7 +20944,7 @@
         </p:nvSpPr>
         <p:spPr>
           <a:xfrm>
-            <a:off x="4668231" y="5580912"/>
+            <a:off x="4777288" y="6052735"/>
             <a:ext cx="1331366" cy="336499"/>
           </a:xfrm>
           <a:prstGeom prst="flowChartAlternateProcess">
@@ -21017,7 +21017,7 @@
         </p:nvSpPr>
         <p:spPr>
           <a:xfrm>
-            <a:off x="4671595" y="6265173"/>
+            <a:off x="4780652" y="6736996"/>
             <a:ext cx="1331366" cy="336499"/>
           </a:xfrm>
           <a:prstGeom prst="flowChartAlternateProcess">
@@ -21090,7 +21090,7 @@
         </p:nvSpPr>
         <p:spPr>
           <a:xfrm>
-            <a:off x="2475666" y="5582489"/>
+            <a:off x="2584723" y="5438740"/>
             <a:ext cx="1331366" cy="336499"/>
           </a:xfrm>
           <a:prstGeom prst="flowChartAlternateProcess">
@@ -21165,8 +21165,8 @@
         </p:nvCxnSpPr>
         <p:spPr>
           <a:xfrm>
-            <a:off x="3139180" y="5272831"/>
-            <a:ext cx="2169" cy="309658"/>
+            <a:off x="3248237" y="5138607"/>
+            <a:ext cx="2169" cy="300133"/>
           </a:xfrm>
           <a:prstGeom prst="straightConnector1">
             <a:avLst/>
@@ -21221,7 +21221,7 @@
         </p:nvCxnSpPr>
         <p:spPr>
           <a:xfrm>
-            <a:off x="5333914" y="5917411"/>
+            <a:off x="5442971" y="6389234"/>
             <a:ext cx="3364" cy="347762"/>
           </a:xfrm>
           <a:prstGeom prst="straightConnector1">
@@ -21273,7 +21273,7 @@
         </p:nvSpPr>
         <p:spPr>
           <a:xfrm>
-            <a:off x="4663062" y="2110840"/>
+            <a:off x="4772119" y="1976616"/>
             <a:ext cx="1331366" cy="336499"/>
           </a:xfrm>
           <a:prstGeom prst="flowChartAlternateProcess">
@@ -21350,7 +21350,7 @@
         </p:nvCxnSpPr>
         <p:spPr>
           <a:xfrm>
-            <a:off x="3123404" y="1755562"/>
+            <a:off x="3232461" y="1621338"/>
             <a:ext cx="1662" cy="326874"/>
           </a:xfrm>
           <a:prstGeom prst="straightConnector1">
@@ -21406,7 +21406,7 @@
         </p:nvCxnSpPr>
         <p:spPr>
           <a:xfrm flipH="1">
-            <a:off x="3789087" y="1587313"/>
+            <a:off x="3898144" y="1453089"/>
             <a:ext cx="875498" cy="0"/>
           </a:xfrm>
           <a:prstGeom prst="straightConnector1">
@@ -21458,7 +21458,7 @@
         </p:nvSpPr>
         <p:spPr>
           <a:xfrm>
-            <a:off x="3193342" y="3216248"/>
+            <a:off x="3302399" y="3082024"/>
             <a:ext cx="389187" cy="213292"/>
           </a:xfrm>
           <a:prstGeom prst="rect">
@@ -21533,7 +21533,7 @@
         </p:nvSpPr>
         <p:spPr>
           <a:xfrm>
-            <a:off x="2108366" y="2751402"/>
+            <a:off x="2217423" y="2617178"/>
             <a:ext cx="389187" cy="213292"/>
           </a:xfrm>
           <a:prstGeom prst="rect">
@@ -21608,7 +21608,7 @@
         </p:nvSpPr>
         <p:spPr>
           <a:xfrm>
-            <a:off x="1299661" y="2403262"/>
+            <a:off x="1408718" y="2269038"/>
             <a:ext cx="327840" cy="1609057"/>
           </a:xfrm>
           <a:prstGeom prst="rect">
@@ -21687,7 +21687,7 @@
         </p:nvSpPr>
         <p:spPr>
           <a:xfrm>
-            <a:off x="4556334" y="1325759"/>
+            <a:off x="4665391" y="1191535"/>
             <a:ext cx="238696" cy="209256"/>
           </a:xfrm>
           <a:prstGeom prst="ellipse">
@@ -21754,7 +21754,7 @@
         </p:nvSpPr>
         <p:spPr>
           <a:xfrm>
-            <a:off x="4562433" y="1968277"/>
+            <a:off x="4671490" y="1834053"/>
             <a:ext cx="238696" cy="209256"/>
           </a:xfrm>
           <a:prstGeom prst="ellipse">
@@ -21821,7 +21821,7 @@
         </p:nvSpPr>
         <p:spPr>
           <a:xfrm>
-            <a:off x="4568530" y="5472256"/>
+            <a:off x="4677587" y="5944079"/>
             <a:ext cx="238696" cy="209256"/>
           </a:xfrm>
           <a:prstGeom prst="ellipse">
@@ -21888,7 +21888,7 @@
         </p:nvSpPr>
         <p:spPr>
           <a:xfrm>
-            <a:off x="4567315" y="6183354"/>
+            <a:off x="4676372" y="6655177"/>
             <a:ext cx="238696" cy="209256"/>
           </a:xfrm>
           <a:prstGeom prst="ellipse">
@@ -21955,7 +21955,7 @@
         </p:nvGrpSpPr>
         <p:grpSpPr>
           <a:xfrm>
-            <a:off x="2459383" y="2082436"/>
+            <a:off x="2568440" y="1948212"/>
             <a:ext cx="1331366" cy="397538"/>
             <a:chOff x="2223932" y="2326276"/>
             <a:chExt cx="1331366" cy="397538"/>
@@ -22091,7 +22091,7 @@
         </p:nvCxnSpPr>
         <p:spPr>
           <a:xfrm flipV="1">
-            <a:off x="3790749" y="2279090"/>
+            <a:off x="3899806" y="2144866"/>
             <a:ext cx="872313" cy="2115"/>
           </a:xfrm>
           <a:prstGeom prst="straightConnector1">
@@ -22143,7 +22143,7 @@
         </p:nvGrpSpPr>
         <p:grpSpPr>
           <a:xfrm>
-            <a:off x="2422025" y="2797126"/>
+            <a:off x="2531082" y="2662902"/>
             <a:ext cx="1409783" cy="397538"/>
             <a:chOff x="2230558" y="3040966"/>
             <a:chExt cx="1409783" cy="397538"/>
@@ -22279,7 +22279,7 @@
         </p:nvCxnSpPr>
         <p:spPr>
           <a:xfrm>
-            <a:off x="3125066" y="2479974"/>
+            <a:off x="3234123" y="2345750"/>
             <a:ext cx="1851" cy="317152"/>
           </a:xfrm>
           <a:prstGeom prst="straightConnector1">
@@ -22331,7 +22331,7 @@
         </p:nvSpPr>
         <p:spPr>
           <a:xfrm>
-            <a:off x="2465469" y="3542209"/>
+            <a:off x="2574526" y="3407985"/>
             <a:ext cx="1331366" cy="336499"/>
           </a:xfrm>
           <a:prstGeom prst="flowChartAlternateProcess">
@@ -22406,7 +22406,7 @@
         </p:nvCxnSpPr>
         <p:spPr>
           <a:xfrm>
-            <a:off x="3126917" y="3194664"/>
+            <a:off x="3235974" y="3060440"/>
             <a:ext cx="4235" cy="347545"/>
           </a:xfrm>
           <a:prstGeom prst="straightConnector1">
@@ -22462,7 +22462,7 @@
         </p:nvCxnSpPr>
         <p:spPr>
           <a:xfrm rot="10800000" flipH="1" flipV="1">
-            <a:off x="2422025" y="2995894"/>
+            <a:off x="2531082" y="2861670"/>
             <a:ext cx="51472" cy="2108687"/>
           </a:xfrm>
           <a:prstGeom prst="bentConnector3">
@@ -22513,15 +22513,15 @@
           </p:cNvPr>
           <p:cNvCxnSpPr>
             <a:cxnSpLocks/>
-            <a:stCxn id="33" idx="3"/>
+            <a:stCxn id="56" idx="3"/>
             <a:endCxn id="31" idx="1"/>
           </p:cNvCxnSpPr>
           <p:nvPr/>
         </p:nvCxnSpPr>
         <p:spPr>
           <a:xfrm flipV="1">
-            <a:off x="3807032" y="5749162"/>
-            <a:ext cx="861199" cy="1577"/>
+            <a:off x="3916351" y="6220985"/>
+            <a:ext cx="860937" cy="936"/>
           </a:xfrm>
           <a:prstGeom prst="straightConnector1">
             <a:avLst/>
@@ -22576,7 +22576,7 @@
         </p:nvCxnSpPr>
         <p:spPr>
           <a:xfrm>
-            <a:off x="3131152" y="3878708"/>
+            <a:off x="3240209" y="3744484"/>
             <a:ext cx="2765" cy="351843"/>
           </a:xfrm>
           <a:prstGeom prst="straightConnector1">
@@ -22628,7 +22628,7 @@
         </p:nvSpPr>
         <p:spPr>
           <a:xfrm>
-            <a:off x="1304406" y="4901111"/>
+            <a:off x="1413463" y="5071687"/>
             <a:ext cx="327840" cy="1213663"/>
           </a:xfrm>
           <a:prstGeom prst="rect">
@@ -22711,7 +22711,7 @@
         </p:nvCxnSpPr>
         <p:spPr>
           <a:xfrm flipV="1">
-            <a:off x="5328745" y="1755562"/>
+            <a:off x="5437802" y="1621338"/>
             <a:ext cx="1523" cy="355278"/>
           </a:xfrm>
           <a:prstGeom prst="straightConnector1">
@@ -22763,7 +22763,7 @@
         </p:nvSpPr>
         <p:spPr>
           <a:xfrm>
-            <a:off x="3741982" y="2042768"/>
+            <a:off x="3851039" y="1908544"/>
             <a:ext cx="389187" cy="213292"/>
           </a:xfrm>
           <a:prstGeom prst="rect">
@@ -22838,7 +22838,7 @@
         </p:nvSpPr>
         <p:spPr>
           <a:xfrm>
-            <a:off x="3190406" y="2499942"/>
+            <a:off x="3299463" y="2365718"/>
             <a:ext cx="389187" cy="213292"/>
           </a:xfrm>
           <a:prstGeom prst="rect">
@@ -22913,7 +22913,7 @@
         </p:nvGrpSpPr>
         <p:grpSpPr>
           <a:xfrm>
-            <a:off x="2429025" y="4230551"/>
+            <a:off x="2538082" y="4096327"/>
             <a:ext cx="1409783" cy="397538"/>
             <a:chOff x="2230558" y="3040966"/>
             <a:chExt cx="1409783" cy="397538"/>
@@ -23069,7 +23069,7 @@
         </p:nvCxnSpPr>
         <p:spPr>
           <a:xfrm>
-            <a:off x="3133917" y="4628089"/>
+            <a:off x="3242974" y="4493865"/>
             <a:ext cx="5263" cy="308243"/>
           </a:xfrm>
           <a:prstGeom prst="straightConnector1">
@@ -23121,7 +23121,7 @@
         </p:nvSpPr>
         <p:spPr>
           <a:xfrm>
-            <a:off x="4670682" y="4259680"/>
+            <a:off x="4779739" y="4125456"/>
             <a:ext cx="1331366" cy="336499"/>
           </a:xfrm>
           <a:prstGeom prst="flowChartAlternateProcess">
@@ -23194,7 +23194,7 @@
         </p:nvSpPr>
         <p:spPr>
           <a:xfrm>
-            <a:off x="4570053" y="4117117"/>
+            <a:off x="4679110" y="3982893"/>
             <a:ext cx="238696" cy="209256"/>
           </a:xfrm>
           <a:prstGeom prst="ellipse">
@@ -23265,7 +23265,7 @@
         </p:nvCxnSpPr>
         <p:spPr>
           <a:xfrm flipV="1">
-            <a:off x="3838808" y="4427930"/>
+            <a:off x="3947865" y="4293706"/>
             <a:ext cx="831874" cy="1390"/>
           </a:xfrm>
           <a:prstGeom prst="straightConnector1">
@@ -23321,7 +23321,7 @@
         </p:nvCxnSpPr>
         <p:spPr>
           <a:xfrm flipH="1" flipV="1">
-            <a:off x="5995951" y="1587313"/>
+            <a:off x="6105008" y="1453089"/>
             <a:ext cx="6097" cy="2840617"/>
           </a:xfrm>
           <a:prstGeom prst="bentConnector3">
@@ -23375,7 +23375,7 @@
         </p:nvSpPr>
         <p:spPr>
           <a:xfrm>
-            <a:off x="3219045" y="4622224"/>
+            <a:off x="3328102" y="4488000"/>
             <a:ext cx="389187" cy="213292"/>
           </a:xfrm>
           <a:prstGeom prst="rect">
@@ -23450,7 +23450,7 @@
         </p:nvSpPr>
         <p:spPr>
           <a:xfrm>
-            <a:off x="3746666" y="4176342"/>
+            <a:off x="3855723" y="4042118"/>
             <a:ext cx="389187" cy="213292"/>
           </a:xfrm>
           <a:prstGeom prst="rect">
@@ -23525,7 +23525,7 @@
         </p:nvSpPr>
         <p:spPr>
           <a:xfrm>
-            <a:off x="1769713" y="1449543"/>
+            <a:off x="1878770" y="1315319"/>
             <a:ext cx="224029" cy="3486789"/>
           </a:xfrm>
           <a:prstGeom prst="leftBrace">
@@ -23581,8 +23581,8 @@
         </p:nvSpPr>
         <p:spPr>
           <a:xfrm>
-            <a:off x="1769713" y="4972710"/>
-            <a:ext cx="224029" cy="1030422"/>
+            <a:off x="1878771" y="4838486"/>
+            <a:ext cx="211370" cy="1611016"/>
           </a:xfrm>
           <a:prstGeom prst="leftBrace">
             <a:avLst>
@@ -23623,6 +23623,140 @@
           </a:p>
         </p:txBody>
       </p:sp>
+      <p:sp>
+        <p:nvSpPr>
+          <p:cNvPr id="56" name="フローチャート: 代替処理 55">
+            <a:extLst>
+              <a:ext uri="{FF2B5EF4-FFF2-40B4-BE49-F238E27FC236}">
+                <a16:creationId xmlns:a16="http://schemas.microsoft.com/office/drawing/2014/main" id="{A9119A8D-98D3-411A-BACD-C44C69A57B37}"/>
+              </a:ext>
+            </a:extLst>
+          </p:cNvPr>
+          <p:cNvSpPr/>
+          <p:nvPr/>
+        </p:nvSpPr>
+        <p:spPr>
+          <a:xfrm>
+            <a:off x="2584985" y="6053671"/>
+            <a:ext cx="1331366" cy="336499"/>
+          </a:xfrm>
+          <a:prstGeom prst="flowChartAlternateProcess">
+            <a:avLst/>
+          </a:prstGeom>
+          <a:solidFill>
+            <a:schemeClr val="accent1">
+              <a:lumMod val="60000"/>
+              <a:lumOff val="40000"/>
+            </a:schemeClr>
+          </a:solidFill>
+          <a:ln>
+            <a:noFill/>
+          </a:ln>
+          <a:effectLst>
+            <a:outerShdw blurRad="50800" dist="38100" dir="2700000" algn="tl" rotWithShape="0">
+              <a:prstClr val="black">
+                <a:alpha val="40000"/>
+              </a:prstClr>
+            </a:outerShdw>
+          </a:effectLst>
+        </p:spPr>
+        <p:style>
+          <a:lnRef idx="2">
+            <a:schemeClr val="accent1">
+              <a:shade val="50000"/>
+            </a:schemeClr>
+          </a:lnRef>
+          <a:fillRef idx="1">
+            <a:schemeClr val="accent1"/>
+          </a:fillRef>
+          <a:effectRef idx="0">
+            <a:schemeClr val="accent1"/>
+          </a:effectRef>
+          <a:fontRef idx="minor">
+            <a:schemeClr val="lt1"/>
+          </a:fontRef>
+        </p:style>
+        <p:txBody>
+          <a:bodyPr rtlCol="0" anchor="ctr"/>
+          <a:lstStyle/>
+          <a:p>
+            <a:pPr algn="ctr"/>
+            <a:r>
+              <a:rPr kumimoji="1" lang="ja-JP" altLang="en-US" sz="1050" b="1">
+                <a:solidFill>
+                  <a:srgbClr val="002060"/>
+                </a:solidFill>
+                <a:latin typeface="游ゴシック Light" panose="020B0300000000000000" pitchFamily="50" charset="-128"/>
+                <a:ea typeface="游ゴシック Light" panose="020B0300000000000000" pitchFamily="50" charset="-128"/>
+              </a:rPr>
+              <a:t>メンバー登録</a:t>
+            </a:r>
+            <a:endParaRPr kumimoji="1" lang="ja-JP" altLang="en-US" sz="1050" b="1" dirty="0">
+              <a:solidFill>
+                <a:srgbClr val="002060"/>
+              </a:solidFill>
+              <a:latin typeface="游ゴシック Light" panose="020B0300000000000000" pitchFamily="50" charset="-128"/>
+              <a:ea typeface="游ゴシック Light" panose="020B0300000000000000" pitchFamily="50" charset="-128"/>
+            </a:endParaRPr>
+          </a:p>
+        </p:txBody>
+      </p:sp>
+      <p:cxnSp>
+        <p:nvCxnSpPr>
+          <p:cNvPr id="58" name="コネクタ: カギ線 44">
+            <a:extLst>
+              <a:ext uri="{FF2B5EF4-FFF2-40B4-BE49-F238E27FC236}">
+                <a16:creationId xmlns:a16="http://schemas.microsoft.com/office/drawing/2014/main" id="{ECF68F56-66EF-4C0D-9DB5-55D22E65FEC7}"/>
+              </a:ext>
+            </a:extLst>
+          </p:cNvPr>
+          <p:cNvCxnSpPr>
+            <a:cxnSpLocks/>
+            <a:stCxn id="33" idx="2"/>
+            <a:endCxn id="56" idx="0"/>
+          </p:cNvCxnSpPr>
+          <p:nvPr/>
+        </p:nvCxnSpPr>
+        <p:spPr>
+          <a:xfrm>
+            <a:off x="3250406" y="5775239"/>
+            <a:ext cx="262" cy="278432"/>
+          </a:xfrm>
+          <a:prstGeom prst="straightConnector1">
+            <a:avLst/>
+          </a:prstGeom>
+          <a:ln w="19050">
+            <a:solidFill>
+              <a:schemeClr val="tx1">
+                <a:lumMod val="65000"/>
+                <a:lumOff val="35000"/>
+              </a:schemeClr>
+            </a:solidFill>
+            <a:tailEnd type="arrow" w="med" len="med"/>
+          </a:ln>
+          <a:effectLst>
+            <a:outerShdw blurRad="50800" dist="38100" dir="2700000" algn="tl" rotWithShape="0">
+              <a:prstClr val="black">
+                <a:alpha val="40000"/>
+              </a:prstClr>
+            </a:outerShdw>
+          </a:effectLst>
+        </p:spPr>
+        <p:style>
+          <a:lnRef idx="1">
+            <a:schemeClr val="accent1"/>
+          </a:lnRef>
+          <a:fillRef idx="0">
+            <a:schemeClr val="accent1"/>
+          </a:fillRef>
+          <a:effectRef idx="0">
+            <a:schemeClr val="accent1"/>
+          </a:effectRef>
+          <a:fontRef idx="minor">
+            <a:schemeClr val="tx1"/>
+          </a:fontRef>
+        </p:style>
+      </p:cxnSp>
     </p:spTree>
     <p:extLst>
       <p:ext uri="{BB962C8B-B14F-4D97-AF65-F5344CB8AC3E}">

--- a/figure/orbit_figure.pptx
+++ b/figure/orbit_figure.pptx
@@ -251,7 +251,7 @@
           <a:p>
             <a:fld id="{6D7DD953-1579-4DF7-AF33-EF8F1C352A10}" type="datetimeFigureOut">
               <a:rPr kumimoji="1" lang="ja-JP" altLang="en-US" smtClean="0"/>
-              <a:t>2020/3/26</a:t>
+              <a:t>2020/3/30</a:t>
             </a:fld>
             <a:endParaRPr kumimoji="1" lang="ja-JP" altLang="en-US"/>
           </a:p>
@@ -453,7 +453,7 @@
           <a:p>
             <a:fld id="{6D7DD953-1579-4DF7-AF33-EF8F1C352A10}" type="datetimeFigureOut">
               <a:rPr kumimoji="1" lang="ja-JP" altLang="en-US" smtClean="0"/>
-              <a:t>2020/3/26</a:t>
+              <a:t>2020/3/30</a:t>
             </a:fld>
             <a:endParaRPr kumimoji="1" lang="ja-JP" altLang="en-US"/>
           </a:p>
@@ -665,7 +665,7 @@
           <a:p>
             <a:fld id="{6D7DD953-1579-4DF7-AF33-EF8F1C352A10}" type="datetimeFigureOut">
               <a:rPr kumimoji="1" lang="ja-JP" altLang="en-US" smtClean="0"/>
-              <a:t>2020/3/26</a:t>
+              <a:t>2020/3/30</a:t>
             </a:fld>
             <a:endParaRPr kumimoji="1" lang="ja-JP" altLang="en-US"/>
           </a:p>
@@ -867,7 +867,7 @@
           <a:p>
             <a:fld id="{6D7DD953-1579-4DF7-AF33-EF8F1C352A10}" type="datetimeFigureOut">
               <a:rPr kumimoji="1" lang="ja-JP" altLang="en-US" smtClean="0"/>
-              <a:t>2020/3/26</a:t>
+              <a:t>2020/3/30</a:t>
             </a:fld>
             <a:endParaRPr kumimoji="1" lang="ja-JP" altLang="en-US"/>
           </a:p>
@@ -1111,7 +1111,7 @@
           <a:p>
             <a:fld id="{6D7DD953-1579-4DF7-AF33-EF8F1C352A10}" type="datetimeFigureOut">
               <a:rPr kumimoji="1" lang="ja-JP" altLang="en-US" smtClean="0"/>
-              <a:t>2020/3/26</a:t>
+              <a:t>2020/3/30</a:t>
             </a:fld>
             <a:endParaRPr kumimoji="1" lang="ja-JP" altLang="en-US"/>
           </a:p>
@@ -1407,7 +1407,7 @@
           <a:p>
             <a:fld id="{6D7DD953-1579-4DF7-AF33-EF8F1C352A10}" type="datetimeFigureOut">
               <a:rPr kumimoji="1" lang="ja-JP" altLang="en-US" smtClean="0"/>
-              <a:t>2020/3/26</a:t>
+              <a:t>2020/3/30</a:t>
             </a:fld>
             <a:endParaRPr kumimoji="1" lang="ja-JP" altLang="en-US"/>
           </a:p>
@@ -1838,7 +1838,7 @@
           <a:p>
             <a:fld id="{6D7DD953-1579-4DF7-AF33-EF8F1C352A10}" type="datetimeFigureOut">
               <a:rPr kumimoji="1" lang="ja-JP" altLang="en-US" smtClean="0"/>
-              <a:t>2020/3/26</a:t>
+              <a:t>2020/3/30</a:t>
             </a:fld>
             <a:endParaRPr kumimoji="1" lang="ja-JP" altLang="en-US"/>
           </a:p>
@@ -1956,7 +1956,7 @@
           <a:p>
             <a:fld id="{6D7DD953-1579-4DF7-AF33-EF8F1C352A10}" type="datetimeFigureOut">
               <a:rPr kumimoji="1" lang="ja-JP" altLang="en-US" smtClean="0"/>
-              <a:t>2020/3/26</a:t>
+              <a:t>2020/3/30</a:t>
             </a:fld>
             <a:endParaRPr kumimoji="1" lang="ja-JP" altLang="en-US"/>
           </a:p>
@@ -2051,7 +2051,7 @@
           <a:p>
             <a:fld id="{6D7DD953-1579-4DF7-AF33-EF8F1C352A10}" type="datetimeFigureOut">
               <a:rPr kumimoji="1" lang="ja-JP" altLang="en-US" smtClean="0"/>
-              <a:t>2020/3/26</a:t>
+              <a:t>2020/3/30</a:t>
             </a:fld>
             <a:endParaRPr kumimoji="1" lang="ja-JP" altLang="en-US"/>
           </a:p>
@@ -2360,7 +2360,7 @@
           <a:p>
             <a:fld id="{6D7DD953-1579-4DF7-AF33-EF8F1C352A10}" type="datetimeFigureOut">
               <a:rPr kumimoji="1" lang="ja-JP" altLang="en-US" smtClean="0"/>
-              <a:t>2020/3/26</a:t>
+              <a:t>2020/3/30</a:t>
             </a:fld>
             <a:endParaRPr kumimoji="1" lang="ja-JP" altLang="en-US"/>
           </a:p>
@@ -2617,7 +2617,7 @@
           <a:p>
             <a:fld id="{6D7DD953-1579-4DF7-AF33-EF8F1C352A10}" type="datetimeFigureOut">
               <a:rPr kumimoji="1" lang="ja-JP" altLang="en-US" smtClean="0"/>
-              <a:t>2020/3/26</a:t>
+              <a:t>2020/3/30</a:t>
             </a:fld>
             <a:endParaRPr kumimoji="1" lang="ja-JP" altLang="en-US"/>
           </a:p>
@@ -2862,7 +2862,7 @@
           <a:p>
             <a:fld id="{6D7DD953-1579-4DF7-AF33-EF8F1C352A10}" type="datetimeFigureOut">
               <a:rPr kumimoji="1" lang="ja-JP" altLang="en-US" smtClean="0"/>
-              <a:t>2020/3/26</a:t>
+              <a:t>2020/3/30</a:t>
             </a:fld>
             <a:endParaRPr kumimoji="1" lang="ja-JP" altLang="en-US"/>
           </a:p>
@@ -3281,7 +3281,7 @@
         </p:nvSpPr>
         <p:spPr>
           <a:xfrm>
-            <a:off x="1043332" y="4183602"/>
+            <a:off x="1177556" y="4225547"/>
             <a:ext cx="2022842" cy="1751332"/>
           </a:xfrm>
           <a:prstGeom prst="rect">
@@ -3355,7 +3355,7 @@
         </p:nvSpPr>
         <p:spPr>
           <a:xfrm>
-            <a:off x="759425" y="4006775"/>
+            <a:off x="893649" y="4048720"/>
             <a:ext cx="985129" cy="378043"/>
           </a:xfrm>
           <a:custGeom>
@@ -3505,7 +3505,7 @@
         </p:nvSpPr>
         <p:spPr>
           <a:xfrm>
-            <a:off x="1448680" y="1266702"/>
+            <a:off x="1582904" y="1308647"/>
             <a:ext cx="3562852" cy="1568509"/>
           </a:xfrm>
           <a:prstGeom prst="rect">
@@ -3579,7 +3579,7 @@
         </p:nvSpPr>
         <p:spPr>
           <a:xfrm>
-            <a:off x="3424081" y="4186832"/>
+            <a:off x="3558305" y="4228777"/>
             <a:ext cx="2022842" cy="1751332"/>
           </a:xfrm>
           <a:prstGeom prst="rect">
@@ -3653,7 +3653,7 @@
         </p:nvSpPr>
         <p:spPr>
           <a:xfrm>
-            <a:off x="3175891" y="4010006"/>
+            <a:off x="3310115" y="4051951"/>
             <a:ext cx="977590" cy="378043"/>
           </a:xfrm>
           <a:custGeom>
@@ -3803,7 +3803,7 @@
         </p:nvSpPr>
         <p:spPr>
           <a:xfrm>
-            <a:off x="5852956" y="4201119"/>
+            <a:off x="5987180" y="4243064"/>
             <a:ext cx="2022842" cy="1733816"/>
           </a:xfrm>
           <a:prstGeom prst="rect">
@@ -3877,7 +3877,7 @@
         </p:nvSpPr>
         <p:spPr>
           <a:xfrm>
-            <a:off x="5576191" y="4024293"/>
+            <a:off x="5710415" y="4066238"/>
             <a:ext cx="977590" cy="378043"/>
           </a:xfrm>
           <a:custGeom>
@@ -4027,7 +4027,7 @@
         </p:nvSpPr>
         <p:spPr>
           <a:xfrm>
-            <a:off x="1022633" y="1189219"/>
+            <a:off x="1156857" y="1231164"/>
             <a:ext cx="1218045" cy="378043"/>
           </a:xfrm>
           <a:custGeom>
@@ -4175,7 +4175,7 @@
         </p:nvSpPr>
         <p:spPr>
           <a:xfrm>
-            <a:off x="1448681" y="2959240"/>
+            <a:off x="1582905" y="3001185"/>
             <a:ext cx="5954407" cy="747797"/>
           </a:xfrm>
           <a:prstGeom prst="rect">
@@ -4249,7 +4249,7 @@
         </p:nvSpPr>
         <p:spPr>
           <a:xfrm>
-            <a:off x="1022633" y="2943106"/>
+            <a:off x="1156857" y="2985051"/>
             <a:ext cx="1168576" cy="378043"/>
           </a:xfrm>
           <a:custGeom>
@@ -4397,7 +4397,7 @@
         </p:nvSpPr>
         <p:spPr>
           <a:xfrm>
-            <a:off x="5131845" y="1266703"/>
+            <a:off x="5266069" y="1308648"/>
             <a:ext cx="2271240" cy="1582028"/>
           </a:xfrm>
           <a:prstGeom prst="rect">
@@ -4485,7 +4485,7 @@
         </p:blipFill>
         <p:spPr>
           <a:xfrm>
-            <a:off x="4735379" y="3942622"/>
+            <a:off x="4869603" y="3984567"/>
             <a:ext cx="229222" cy="469070"/>
           </a:xfrm>
           <a:prstGeom prst="rect">
@@ -4521,7 +4521,7 @@
         </p:blipFill>
         <p:spPr>
           <a:xfrm flipH="1">
-            <a:off x="4124699" y="1032885"/>
+            <a:off x="4258923" y="1074830"/>
             <a:ext cx="248352" cy="512777"/>
           </a:xfrm>
           <a:prstGeom prst="rect">
@@ -4543,7 +4543,7 @@
         </p:nvSpPr>
         <p:spPr>
           <a:xfrm>
-            <a:off x="4864897" y="1159142"/>
+            <a:off x="4999121" y="1201087"/>
             <a:ext cx="1419047" cy="378043"/>
           </a:xfrm>
           <a:custGeom>
@@ -4691,7 +4691,7 @@
         </p:nvSpPr>
         <p:spPr>
           <a:xfrm>
-            <a:off x="5941112" y="4802035"/>
+            <a:off x="6075336" y="4843980"/>
             <a:ext cx="1840594" cy="273593"/>
           </a:xfrm>
           <a:prstGeom prst="rect">
@@ -4775,7 +4775,7 @@
         </p:nvSpPr>
         <p:spPr>
           <a:xfrm>
-            <a:off x="3470559" y="4443969"/>
+            <a:off x="3604783" y="4485914"/>
             <a:ext cx="1853665" cy="309355"/>
           </a:xfrm>
           <a:prstGeom prst="rect">
@@ -4843,7 +4843,7 @@
         </p:nvSpPr>
         <p:spPr>
           <a:xfrm>
-            <a:off x="1506313" y="1832755"/>
+            <a:off x="1640537" y="1874700"/>
             <a:ext cx="857666" cy="897579"/>
           </a:xfrm>
           <a:prstGeom prst="rect">
@@ -4974,7 +4974,7 @@
         </p:nvSpPr>
         <p:spPr>
           <a:xfrm>
-            <a:off x="4038033" y="839740"/>
+            <a:off x="4172257" y="881685"/>
             <a:ext cx="740206" cy="224365"/>
           </a:xfrm>
           <a:prstGeom prst="rect">
@@ -5069,7 +5069,7 @@
         </p:nvSpPr>
         <p:spPr>
           <a:xfrm>
-            <a:off x="5261216" y="1855841"/>
+            <a:off x="5395440" y="1897786"/>
             <a:ext cx="567000" cy="540000"/>
           </a:xfrm>
           <a:prstGeom prst="ellipse">
@@ -5150,7 +5150,7 @@
         </p:nvSpPr>
         <p:spPr>
           <a:xfrm>
-            <a:off x="5686970" y="2273395"/>
+            <a:off x="5821194" y="2315340"/>
             <a:ext cx="567000" cy="540000"/>
           </a:xfrm>
           <a:prstGeom prst="ellipse">
@@ -5233,7 +5233,7 @@
         </p:nvSpPr>
         <p:spPr>
           <a:xfrm>
-            <a:off x="6553781" y="2267256"/>
+            <a:off x="6688005" y="2309201"/>
             <a:ext cx="567000" cy="540000"/>
           </a:xfrm>
           <a:prstGeom prst="ellipse">
@@ -5315,7 +5315,7 @@
         </p:nvSpPr>
         <p:spPr>
           <a:xfrm>
-            <a:off x="6123561" y="1846504"/>
+            <a:off x="6257785" y="1888449"/>
             <a:ext cx="567000" cy="540000"/>
           </a:xfrm>
           <a:prstGeom prst="ellipse">
@@ -5405,7 +5405,7 @@
         </p:nvSpPr>
         <p:spPr>
           <a:xfrm>
-            <a:off x="3519265" y="4834773"/>
+            <a:off x="3653489" y="4876718"/>
             <a:ext cx="1039403" cy="309355"/>
           </a:xfrm>
           <a:prstGeom prst="rect">
@@ -5489,7 +5489,7 @@
         </p:nvSpPr>
         <p:spPr>
           <a:xfrm>
-            <a:off x="3519265" y="5213391"/>
+            <a:off x="3653489" y="5255336"/>
             <a:ext cx="1039403" cy="309355"/>
           </a:xfrm>
           <a:prstGeom prst="rect">
@@ -5587,7 +5587,7 @@
         </p:blipFill>
         <p:spPr>
           <a:xfrm>
-            <a:off x="5072981" y="3934387"/>
+            <a:off x="5207205" y="3976332"/>
             <a:ext cx="229222" cy="477305"/>
           </a:xfrm>
           <a:prstGeom prst="rect">
@@ -5623,7 +5623,7 @@
         </p:blipFill>
         <p:spPr>
           <a:xfrm>
-            <a:off x="2122390" y="3950205"/>
+            <a:off x="2256614" y="3992150"/>
             <a:ext cx="229007" cy="468631"/>
           </a:xfrm>
           <a:prstGeom prst="rect">
@@ -5645,7 +5645,7 @@
         </p:nvSpPr>
         <p:spPr>
           <a:xfrm>
-            <a:off x="1098832" y="4443968"/>
+            <a:off x="1233056" y="4485913"/>
             <a:ext cx="1853665" cy="309355"/>
           </a:xfrm>
           <a:prstGeom prst="rect">
@@ -5742,7 +5742,7 @@
         </p:nvSpPr>
         <p:spPr>
           <a:xfrm>
-            <a:off x="1140394" y="4834771"/>
+            <a:off x="1274618" y="4876716"/>
             <a:ext cx="1039403" cy="309355"/>
           </a:xfrm>
           <a:prstGeom prst="rect">
@@ -5826,7 +5826,7 @@
         </p:nvSpPr>
         <p:spPr>
           <a:xfrm>
-            <a:off x="1140394" y="5213390"/>
+            <a:off x="1274618" y="5255335"/>
             <a:ext cx="1039403" cy="309355"/>
           </a:xfrm>
           <a:prstGeom prst="rect">
@@ -5910,7 +5910,7 @@
         </p:nvSpPr>
         <p:spPr>
           <a:xfrm>
-            <a:off x="2240679" y="4834772"/>
+            <a:off x="2374903" y="4876717"/>
             <a:ext cx="747539" cy="687974"/>
           </a:xfrm>
           <a:prstGeom prst="rect">
@@ -6014,7 +6014,7 @@
         </p:nvSpPr>
         <p:spPr>
           <a:xfrm>
-            <a:off x="5872365" y="4443971"/>
+            <a:off x="6006589" y="4485916"/>
             <a:ext cx="1853665" cy="309355"/>
           </a:xfrm>
           <a:prstGeom prst="rect">
@@ -6125,7 +6125,7 @@
         </p:blipFill>
         <p:spPr>
           <a:xfrm>
-            <a:off x="7488190" y="3934388"/>
+            <a:off x="7622414" y="3976333"/>
             <a:ext cx="229222" cy="468631"/>
           </a:xfrm>
           <a:prstGeom prst="rect">
@@ -6161,7 +6161,7 @@
         </p:blipFill>
         <p:spPr>
           <a:xfrm>
-            <a:off x="2435091" y="3949766"/>
+            <a:off x="2569315" y="3991711"/>
             <a:ext cx="229222" cy="469070"/>
           </a:xfrm>
           <a:prstGeom prst="rect">
@@ -6197,7 +6197,7 @@
         </p:blipFill>
         <p:spPr>
           <a:xfrm>
-            <a:off x="2736974" y="3941532"/>
+            <a:off x="2871198" y="3983477"/>
             <a:ext cx="229222" cy="477305"/>
           </a:xfrm>
           <a:prstGeom prst="rect">
@@ -6219,7 +6219,7 @@
         </p:nvSpPr>
         <p:spPr>
           <a:xfrm>
-            <a:off x="4622392" y="4805669"/>
+            <a:off x="4756616" y="4847614"/>
             <a:ext cx="432000" cy="405000"/>
           </a:xfrm>
           <a:prstGeom prst="ellipse">
@@ -6296,7 +6296,7 @@
         </p:nvSpPr>
         <p:spPr>
           <a:xfrm>
-            <a:off x="4958708" y="5142576"/>
+            <a:off x="5092932" y="5184521"/>
             <a:ext cx="432000" cy="405000"/>
           </a:xfrm>
           <a:prstGeom prst="ellipse">
@@ -6371,7 +6371,7 @@
         </p:nvSpPr>
         <p:spPr>
           <a:xfrm>
-            <a:off x="3450633" y="4443971"/>
+            <a:off x="3584857" y="4485916"/>
             <a:ext cx="1853665" cy="309355"/>
           </a:xfrm>
           <a:prstGeom prst="rect">
@@ -6468,7 +6468,7 @@
         </p:nvSpPr>
         <p:spPr>
           <a:xfrm>
-            <a:off x="7421611" y="3751393"/>
+            <a:off x="7555835" y="3793338"/>
             <a:ext cx="422231" cy="187768"/>
           </a:xfrm>
           <a:prstGeom prst="rect">
@@ -6552,7 +6552,7 @@
         </p:nvSpPr>
         <p:spPr>
           <a:xfrm>
-            <a:off x="4999879" y="3758537"/>
+            <a:off x="5134103" y="3800482"/>
             <a:ext cx="422231" cy="187768"/>
           </a:xfrm>
           <a:prstGeom prst="rect">
@@ -6636,7 +6636,7 @@
         </p:nvSpPr>
         <p:spPr>
           <a:xfrm>
-            <a:off x="4628403" y="3758537"/>
+            <a:off x="4762627" y="3800482"/>
             <a:ext cx="503444" cy="187768"/>
           </a:xfrm>
           <a:prstGeom prst="rect">
@@ -6718,7 +6718,7 @@
         </p:nvSpPr>
         <p:spPr>
           <a:xfrm>
-            <a:off x="2049511" y="3751393"/>
+            <a:off x="2183735" y="3793338"/>
             <a:ext cx="422231" cy="187768"/>
           </a:xfrm>
           <a:prstGeom prst="rect">
@@ -6796,7 +6796,7 @@
         </p:nvSpPr>
         <p:spPr>
           <a:xfrm>
-            <a:off x="2663872" y="3751393"/>
+            <a:off x="2798096" y="3793338"/>
             <a:ext cx="422231" cy="187768"/>
           </a:xfrm>
           <a:prstGeom prst="rect">
@@ -6880,7 +6880,7 @@
         </p:nvSpPr>
         <p:spPr>
           <a:xfrm>
-            <a:off x="2335260" y="3751393"/>
+            <a:off x="2469484" y="3793338"/>
             <a:ext cx="503444" cy="187768"/>
           </a:xfrm>
           <a:prstGeom prst="rect">
@@ -6964,7 +6964,7 @@
         </p:nvCxnSpPr>
         <p:spPr>
           <a:xfrm rot="10800000">
-            <a:off x="1483363" y="2316671"/>
+            <a:off x="1617587" y="2358616"/>
             <a:ext cx="4509377" cy="3448335"/>
           </a:xfrm>
           <a:prstGeom prst="bentConnector3">
@@ -7017,7 +7017,7 @@
         </p:nvSpPr>
         <p:spPr>
           <a:xfrm>
-            <a:off x="1140394" y="5609130"/>
+            <a:off x="1274618" y="5651075"/>
             <a:ext cx="1847822" cy="282124"/>
           </a:xfrm>
           <a:prstGeom prst="rect">
@@ -7104,7 +7104,7 @@
         </p:blipFill>
         <p:spPr>
           <a:xfrm flipH="1">
-            <a:off x="4431881" y="1032885"/>
+            <a:off x="4566105" y="1074830"/>
             <a:ext cx="248352" cy="512777"/>
           </a:xfrm>
           <a:prstGeom prst="rect">
@@ -7126,7 +7126,7 @@
         </p:nvSpPr>
         <p:spPr>
           <a:xfrm>
-            <a:off x="6886369" y="5147675"/>
+            <a:off x="7020593" y="5189620"/>
             <a:ext cx="432000" cy="405000"/>
           </a:xfrm>
           <a:prstGeom prst="ellipse">
@@ -7203,7 +7203,7 @@
         </p:nvSpPr>
         <p:spPr>
           <a:xfrm>
-            <a:off x="7360915" y="5142258"/>
+            <a:off x="7495139" y="5184203"/>
             <a:ext cx="432000" cy="405000"/>
           </a:xfrm>
           <a:prstGeom prst="ellipse">
@@ -7278,7 +7278,7 @@
         </p:nvSpPr>
         <p:spPr>
           <a:xfrm>
-            <a:off x="5931211" y="5160695"/>
+            <a:off x="6065435" y="5202640"/>
             <a:ext cx="432000" cy="405000"/>
           </a:xfrm>
           <a:prstGeom prst="ellipse">
@@ -7353,7 +7353,7 @@
         </p:nvSpPr>
         <p:spPr>
           <a:xfrm>
-            <a:off x="6411959" y="5148136"/>
+            <a:off x="6546183" y="5190081"/>
             <a:ext cx="432000" cy="405000"/>
           </a:xfrm>
           <a:prstGeom prst="ellipse">
@@ -7437,7 +7437,7 @@
         </p:nvSpPr>
         <p:spPr>
           <a:xfrm>
-            <a:off x="4483683" y="2835210"/>
+            <a:off x="4617907" y="2877155"/>
             <a:ext cx="289513" cy="969008"/>
           </a:xfrm>
           <a:prstGeom prst="uturnArrow">
@@ -7506,7 +7506,7 @@
         </p:nvSpPr>
         <p:spPr>
           <a:xfrm>
-            <a:off x="4093826" y="3189205"/>
+            <a:off x="4228050" y="3231150"/>
             <a:ext cx="1485000" cy="414923"/>
           </a:xfrm>
           <a:prstGeom prst="rect">
@@ -7590,7 +7590,7 @@
         </p:nvSpPr>
         <p:spPr>
           <a:xfrm>
-            <a:off x="6304178" y="2857791"/>
+            <a:off x="6438402" y="2899736"/>
             <a:ext cx="279932" cy="944521"/>
           </a:xfrm>
           <a:prstGeom prst="uturnArrow">
@@ -7659,7 +7659,7 @@
         </p:nvSpPr>
         <p:spPr>
           <a:xfrm>
-            <a:off x="5747096" y="3189135"/>
+            <a:off x="5881320" y="3231080"/>
             <a:ext cx="1485000" cy="414923"/>
           </a:xfrm>
           <a:prstGeom prst="rect">
@@ -7757,7 +7757,7 @@
         </p:blipFill>
         <p:spPr>
           <a:xfrm flipH="1">
-            <a:off x="6735556" y="1038901"/>
+            <a:off x="6869780" y="1080846"/>
             <a:ext cx="248352" cy="512777"/>
           </a:xfrm>
           <a:prstGeom prst="rect">
@@ -7793,7 +7793,7 @@
         </p:blipFill>
         <p:spPr>
           <a:xfrm flipH="1">
-            <a:off x="7042737" y="1038901"/>
+            <a:off x="7176961" y="1080846"/>
             <a:ext cx="248352" cy="512777"/>
           </a:xfrm>
           <a:prstGeom prst="rect">
@@ -7815,7 +7815,7 @@
         </p:nvSpPr>
         <p:spPr>
           <a:xfrm>
-            <a:off x="6642876" y="839741"/>
+            <a:off x="6777100" y="881686"/>
             <a:ext cx="740206" cy="224365"/>
           </a:xfrm>
           <a:prstGeom prst="rect">
@@ -7910,7 +7910,7 @@
         </p:nvSpPr>
         <p:spPr>
           <a:xfrm>
-            <a:off x="1456729" y="1589765"/>
+            <a:off x="1590953" y="1631710"/>
             <a:ext cx="3128811" cy="309355"/>
           </a:xfrm>
           <a:prstGeom prst="rect">
@@ -7988,7 +7988,7 @@
         </p:nvSpPr>
         <p:spPr>
           <a:xfrm>
-            <a:off x="2402177" y="1832755"/>
+            <a:off x="2536401" y="1874700"/>
             <a:ext cx="826701" cy="897579"/>
           </a:xfrm>
           <a:prstGeom prst="rect">
@@ -8100,7 +8100,7 @@
         </p:nvSpPr>
         <p:spPr>
           <a:xfrm>
-            <a:off x="3268499" y="1832755"/>
+            <a:off x="3402723" y="1874700"/>
             <a:ext cx="826701" cy="897579"/>
           </a:xfrm>
           <a:prstGeom prst="rect">
@@ -8210,7 +8210,7 @@
         </p:nvSpPr>
         <p:spPr>
           <a:xfrm>
-            <a:off x="4134767" y="1832756"/>
+            <a:off x="4268991" y="1874701"/>
             <a:ext cx="826701" cy="897579"/>
           </a:xfrm>
           <a:prstGeom prst="rect">
@@ -8333,7 +8333,7 @@
         </p:nvSpPr>
         <p:spPr>
           <a:xfrm>
-            <a:off x="1545661" y="1832757"/>
+            <a:off x="1679885" y="1874702"/>
             <a:ext cx="783083" cy="276476"/>
           </a:xfrm>
           <a:prstGeom prst="ellipse">
@@ -8396,7 +8396,7 @@
         </p:nvSpPr>
         <p:spPr>
           <a:xfrm>
-            <a:off x="2402911" y="1832757"/>
+            <a:off x="2537135" y="1874702"/>
             <a:ext cx="872837" cy="276476"/>
           </a:xfrm>
           <a:prstGeom prst="ellipse">
@@ -8459,7 +8459,7 @@
         </p:nvSpPr>
         <p:spPr>
           <a:xfrm>
-            <a:off x="4153131" y="1832757"/>
+            <a:off x="4287355" y="1874702"/>
             <a:ext cx="783083" cy="276476"/>
           </a:xfrm>
           <a:prstGeom prst="ellipse">
@@ -8522,7 +8522,7 @@
         </p:nvSpPr>
         <p:spPr>
           <a:xfrm>
-            <a:off x="3295881" y="1832757"/>
+            <a:off x="3430105" y="1874702"/>
             <a:ext cx="783083" cy="276476"/>
           </a:xfrm>
           <a:prstGeom prst="ellipse">
@@ -8585,7 +8585,7 @@
         </p:nvSpPr>
         <p:spPr>
           <a:xfrm>
-            <a:off x="6974935" y="1912583"/>
+            <a:off x="7109159" y="1954528"/>
             <a:ext cx="351875" cy="338894"/>
           </a:xfrm>
           <a:prstGeom prst="ellipse">
@@ -8669,7 +8669,7 @@
         </p:nvSpPr>
         <p:spPr>
           <a:xfrm>
-            <a:off x="5171480" y="1589762"/>
+            <a:off x="5305704" y="1631707"/>
             <a:ext cx="1812430" cy="240540"/>
           </a:xfrm>
           <a:prstGeom prst="rect">
@@ -8764,7 +8764,7 @@
         </p:blipFill>
         <p:spPr>
           <a:xfrm flipH="1">
-            <a:off x="5838101" y="3300473"/>
+            <a:off x="5972325" y="3342418"/>
             <a:ext cx="168483" cy="164248"/>
           </a:xfrm>
           <a:prstGeom prst="rect">
@@ -8800,7 +8800,7 @@
         </p:blipFill>
         <p:spPr>
           <a:xfrm>
-            <a:off x="4242780" y="3244456"/>
+            <a:off x="4377004" y="3286401"/>
             <a:ext cx="248135" cy="248135"/>
           </a:xfrm>
           <a:prstGeom prst="rect">
@@ -8822,7 +8822,7 @@
         </p:nvSpPr>
         <p:spPr>
           <a:xfrm>
-            <a:off x="6584108" y="2905856"/>
+            <a:off x="6718332" y="2947801"/>
             <a:ext cx="1208853" cy="198208"/>
           </a:xfrm>
           <a:prstGeom prst="wedgeEllipseCallout">
@@ -8886,7 +8886,7 @@
         </p:nvSpPr>
         <p:spPr>
           <a:xfrm>
-            <a:off x="6719315" y="2892872"/>
+            <a:off x="6853539" y="2934817"/>
             <a:ext cx="1136025" cy="222859"/>
           </a:xfrm>
           <a:prstGeom prst="rect">
@@ -8961,7 +8961,7 @@
         </p:nvSpPr>
         <p:spPr>
           <a:xfrm>
-            <a:off x="4783883" y="2898712"/>
+            <a:off x="4918107" y="2940657"/>
             <a:ext cx="1208853" cy="198208"/>
           </a:xfrm>
           <a:prstGeom prst="wedgeEllipseCallout">
@@ -9025,7 +9025,7 @@
         </p:nvSpPr>
         <p:spPr>
           <a:xfrm>
-            <a:off x="4919090" y="2885727"/>
+            <a:off x="5053314" y="2927672"/>
             <a:ext cx="1136025" cy="222859"/>
           </a:xfrm>
           <a:prstGeom prst="rect">
@@ -9100,7 +9100,7 @@
         </p:nvSpPr>
         <p:spPr>
           <a:xfrm>
-            <a:off x="3036742" y="2835210"/>
+            <a:off x="3170966" y="2877155"/>
             <a:ext cx="281757" cy="969008"/>
           </a:xfrm>
           <a:prstGeom prst="uturnArrow">
@@ -9169,7 +9169,7 @@
         </p:nvSpPr>
         <p:spPr>
           <a:xfrm>
-            <a:off x="3303308" y="2898712"/>
+            <a:off x="3437532" y="2940657"/>
             <a:ext cx="1035678" cy="198208"/>
           </a:xfrm>
           <a:prstGeom prst="wedgeEllipseCallout">
@@ -9233,7 +9233,7 @@
         </p:nvSpPr>
         <p:spPr>
           <a:xfrm>
-            <a:off x="3424228" y="2885727"/>
+            <a:off x="3558452" y="2927672"/>
             <a:ext cx="1136025" cy="222859"/>
           </a:xfrm>
           <a:prstGeom prst="rect">
@@ -9308,7 +9308,7 @@
         </p:nvSpPr>
         <p:spPr>
           <a:xfrm>
-            <a:off x="2433398" y="3189135"/>
+            <a:off x="2567622" y="3231080"/>
             <a:ext cx="1485000" cy="414923"/>
           </a:xfrm>
           <a:prstGeom prst="rect">
@@ -9409,7 +9409,7 @@
         </p:blipFill>
         <p:spPr>
           <a:xfrm>
-            <a:off x="2530908" y="3288009"/>
+            <a:off x="2665132" y="3329954"/>
             <a:ext cx="212401" cy="212401"/>
           </a:xfrm>
           <a:prstGeom prst="rect">
@@ -9431,7 +9431,7 @@
         </p:nvSpPr>
         <p:spPr>
           <a:xfrm rot="16200000">
-            <a:off x="-429827" y="3449721"/>
+            <a:off x="-295603" y="3491666"/>
             <a:ext cx="1853665" cy="309355"/>
           </a:xfrm>
           <a:prstGeom prst="rect">
@@ -9509,7 +9509,7 @@
         </p:nvSpPr>
         <p:spPr>
           <a:xfrm>
-            <a:off x="1140394" y="5623544"/>
+            <a:off x="1274618" y="5665489"/>
             <a:ext cx="1847822" cy="267708"/>
           </a:xfrm>
           <a:custGeom>
@@ -9657,7 +9657,7 @@
         </p:nvSpPr>
         <p:spPr>
           <a:xfrm>
-            <a:off x="3526902" y="5623919"/>
+            <a:off x="3661126" y="5665864"/>
             <a:ext cx="1847822" cy="267708"/>
           </a:xfrm>
           <a:custGeom>
@@ -9805,7 +9805,7 @@
         </p:nvSpPr>
         <p:spPr>
           <a:xfrm>
-            <a:off x="5962460" y="5631770"/>
+            <a:off x="6096684" y="5673715"/>
             <a:ext cx="1847822" cy="267708"/>
           </a:xfrm>
           <a:custGeom>
@@ -13939,8 +13939,8 @@
         </p:nvSpPr>
         <p:spPr>
           <a:xfrm>
-            <a:off x="586483" y="3303560"/>
-            <a:ext cx="1027053" cy="2184989"/>
+            <a:off x="516771" y="3303560"/>
+            <a:ext cx="1096766" cy="2184989"/>
           </a:xfrm>
           <a:prstGeom prst="homePlate">
             <a:avLst>
@@ -14099,8 +14099,8 @@
         </p:nvSpPr>
         <p:spPr>
           <a:xfrm>
-            <a:off x="591149" y="1558464"/>
-            <a:ext cx="1027053" cy="1668794"/>
+            <a:off x="521435" y="1558464"/>
+            <a:ext cx="1096767" cy="1668794"/>
           </a:xfrm>
           <a:prstGeom prst="homePlate">
             <a:avLst>
